--- a/hb/instruction.pptx
+++ b/hb/instruction.pptx
@@ -104,6 +104,11 @@
       </a:defRPr>
     </a:lvl9pPr>
   </p:defaultTextStyle>
+  <p:extLst>
+    <p:ext uri="{EFAFB233-063F-42B5-8137-9DF3F51BA10A}">
+      <p15:sldGuideLst xmlns:p15="http://schemas.microsoft.com/office/powerpoint/2012/main"/>
+    </p:ext>
+  </p:extLst>
 </p:presentation>
 </file>
 
@@ -256,7 +261,7 @@
           <a:p>
             <a:fld id="{A8A1A7E5-E8CA-D847-961A-9CA5876FB008}" type="datetimeFigureOut">
               <a:rPr kumimoji="1" lang="ko-Kore-KR" altLang="en-US" smtClean="0"/>
-              <a:t>2020. 8. 5.</a:t>
+              <a:t>2020. 8. 19.</a:t>
             </a:fld>
             <a:endParaRPr kumimoji="1" lang="ko-Kore-KR" altLang="en-US"/>
           </a:p>
@@ -456,7 +461,7 @@
           <a:p>
             <a:fld id="{A8A1A7E5-E8CA-D847-961A-9CA5876FB008}" type="datetimeFigureOut">
               <a:rPr kumimoji="1" lang="ko-Kore-KR" altLang="en-US" smtClean="0"/>
-              <a:t>2020. 8. 5.</a:t>
+              <a:t>2020. 8. 19.</a:t>
             </a:fld>
             <a:endParaRPr kumimoji="1" lang="ko-Kore-KR" altLang="en-US"/>
           </a:p>
@@ -666,7 +671,7 @@
           <a:p>
             <a:fld id="{A8A1A7E5-E8CA-D847-961A-9CA5876FB008}" type="datetimeFigureOut">
               <a:rPr kumimoji="1" lang="ko-Kore-KR" altLang="en-US" smtClean="0"/>
-              <a:t>2020. 8. 5.</a:t>
+              <a:t>2020. 8. 19.</a:t>
             </a:fld>
             <a:endParaRPr kumimoji="1" lang="ko-Kore-KR" altLang="en-US"/>
           </a:p>
@@ -866,7 +871,7 @@
           <a:p>
             <a:fld id="{A8A1A7E5-E8CA-D847-961A-9CA5876FB008}" type="datetimeFigureOut">
               <a:rPr kumimoji="1" lang="ko-Kore-KR" altLang="en-US" smtClean="0"/>
-              <a:t>2020. 8. 5.</a:t>
+              <a:t>2020. 8. 19.</a:t>
             </a:fld>
             <a:endParaRPr kumimoji="1" lang="ko-Kore-KR" altLang="en-US"/>
           </a:p>
@@ -1142,7 +1147,7 @@
           <a:p>
             <a:fld id="{A8A1A7E5-E8CA-D847-961A-9CA5876FB008}" type="datetimeFigureOut">
               <a:rPr kumimoji="1" lang="ko-Kore-KR" altLang="en-US" smtClean="0"/>
-              <a:t>2020. 8. 5.</a:t>
+              <a:t>2020. 8. 19.</a:t>
             </a:fld>
             <a:endParaRPr kumimoji="1" lang="ko-Kore-KR" altLang="en-US"/>
           </a:p>
@@ -1410,7 +1415,7 @@
           <a:p>
             <a:fld id="{A8A1A7E5-E8CA-D847-961A-9CA5876FB008}" type="datetimeFigureOut">
               <a:rPr kumimoji="1" lang="ko-Kore-KR" altLang="en-US" smtClean="0"/>
-              <a:t>2020. 8. 5.</a:t>
+              <a:t>2020. 8. 19.</a:t>
             </a:fld>
             <a:endParaRPr kumimoji="1" lang="ko-Kore-KR" altLang="en-US"/>
           </a:p>
@@ -1825,7 +1830,7 @@
           <a:p>
             <a:fld id="{A8A1A7E5-E8CA-D847-961A-9CA5876FB008}" type="datetimeFigureOut">
               <a:rPr kumimoji="1" lang="ko-Kore-KR" altLang="en-US" smtClean="0"/>
-              <a:t>2020. 8. 5.</a:t>
+              <a:t>2020. 8. 19.</a:t>
             </a:fld>
             <a:endParaRPr kumimoji="1" lang="ko-Kore-KR" altLang="en-US"/>
           </a:p>
@@ -1967,7 +1972,7 @@
           <a:p>
             <a:fld id="{A8A1A7E5-E8CA-D847-961A-9CA5876FB008}" type="datetimeFigureOut">
               <a:rPr kumimoji="1" lang="ko-Kore-KR" altLang="en-US" smtClean="0"/>
-              <a:t>2020. 8. 5.</a:t>
+              <a:t>2020. 8. 19.</a:t>
             </a:fld>
             <a:endParaRPr kumimoji="1" lang="ko-Kore-KR" altLang="en-US"/>
           </a:p>
@@ -2080,7 +2085,7 @@
           <a:p>
             <a:fld id="{A8A1A7E5-E8CA-D847-961A-9CA5876FB008}" type="datetimeFigureOut">
               <a:rPr kumimoji="1" lang="ko-Kore-KR" altLang="en-US" smtClean="0"/>
-              <a:t>2020. 8. 5.</a:t>
+              <a:t>2020. 8. 19.</a:t>
             </a:fld>
             <a:endParaRPr kumimoji="1" lang="ko-Kore-KR" altLang="en-US"/>
           </a:p>
@@ -2393,7 +2398,7 @@
           <a:p>
             <a:fld id="{A8A1A7E5-E8CA-D847-961A-9CA5876FB008}" type="datetimeFigureOut">
               <a:rPr kumimoji="1" lang="ko-Kore-KR" altLang="en-US" smtClean="0"/>
-              <a:t>2020. 8. 5.</a:t>
+              <a:t>2020. 8. 19.</a:t>
             </a:fld>
             <a:endParaRPr kumimoji="1" lang="ko-Kore-KR" altLang="en-US"/>
           </a:p>
@@ -2682,7 +2687,7 @@
           <a:p>
             <a:fld id="{A8A1A7E5-E8CA-D847-961A-9CA5876FB008}" type="datetimeFigureOut">
               <a:rPr kumimoji="1" lang="ko-Kore-KR" altLang="en-US" smtClean="0"/>
-              <a:t>2020. 8. 5.</a:t>
+              <a:t>2020. 8. 19.</a:t>
             </a:fld>
             <a:endParaRPr kumimoji="1" lang="ko-Kore-KR" altLang="en-US"/>
           </a:p>
@@ -2925,7 +2930,7 @@
           <a:p>
             <a:fld id="{A8A1A7E5-E8CA-D847-961A-9CA5876FB008}" type="datetimeFigureOut">
               <a:rPr kumimoji="1" lang="ko-Kore-KR" altLang="en-US" smtClean="0"/>
-              <a:t>2020. 8. 5.</a:t>
+              <a:t>2020. 8. 19.</a:t>
             </a:fld>
             <a:endParaRPr kumimoji="1" lang="ko-Kore-KR" altLang="en-US"/>
           </a:p>
@@ -3406,8 +3411,8 @@
           </p:nvSpPr>
           <p:spPr>
             <a:xfrm>
-              <a:off x="3255930" y="3075057"/>
-              <a:ext cx="5680140" cy="707886"/>
+              <a:off x="2902029" y="2151727"/>
+              <a:ext cx="6387942" cy="2554545"/>
             </a:xfrm>
             <a:prstGeom prst="rect">
               <a:avLst/>
@@ -3448,13 +3453,131 @@
             </a:p>
             <a:p>
               <a:pPr algn="ctr"/>
+              <a:endParaRPr kumimoji="1" lang="en-US" altLang="ko-KR" sz="2000" dirty="0">
+                <a:solidFill>
+                  <a:schemeClr val="bg1"/>
+                </a:solidFill>
+              </a:endParaRPr>
+            </a:p>
+            <a:p>
+              <a:pPr algn="ctr"/>
+              <a:endParaRPr kumimoji="1" lang="en-US" altLang="ko-KR" sz="2000" dirty="0">
+                <a:solidFill>
+                  <a:schemeClr val="bg1"/>
+                </a:solidFill>
+              </a:endParaRPr>
+            </a:p>
+            <a:p>
+              <a:pPr algn="ctr"/>
               <a:r>
                 <a:rPr kumimoji="1" lang="ko-KR" altLang="en-US" sz="2000" dirty="0">
                   <a:solidFill>
                     <a:schemeClr val="bg1"/>
                   </a:solidFill>
                 </a:rPr>
-                <a:t>집중해주세요</a:t>
+                <a:t>영상과 음악이 나올 때는 느껴지는 감정에 집중해주세요</a:t>
+              </a:r>
+              <a:r>
+                <a:rPr kumimoji="1" lang="en-US" altLang="ko-KR" sz="2000" dirty="0">
+                  <a:solidFill>
+                    <a:schemeClr val="bg1"/>
+                  </a:solidFill>
+                </a:rPr>
+                <a:t>.</a:t>
+              </a:r>
+            </a:p>
+            <a:p>
+              <a:pPr algn="ctr"/>
+              <a:endParaRPr kumimoji="1" lang="en-US" altLang="ko-Kore-KR" sz="2000" dirty="0">
+                <a:solidFill>
+                  <a:schemeClr val="bg1"/>
+                </a:solidFill>
+              </a:endParaRPr>
+            </a:p>
+            <a:p>
+              <a:pPr algn="ctr"/>
+              <a:endParaRPr kumimoji="1" lang="en-US" altLang="ko-Kore-KR" sz="2000" dirty="0">
+                <a:solidFill>
+                  <a:schemeClr val="bg1"/>
+                </a:solidFill>
+              </a:endParaRPr>
+            </a:p>
+            <a:p>
+              <a:pPr algn="ctr"/>
+              <a:r>
+                <a:rPr kumimoji="1" lang="ko-KR" altLang="en-US" sz="2000" dirty="0">
+                  <a:solidFill>
+                    <a:schemeClr val="bg1"/>
+                  </a:solidFill>
+                </a:rPr>
+                <a:t>수학 문제가 나오면 최대한 정확하게 풀어주세요</a:t>
+              </a:r>
+              <a:r>
+                <a:rPr kumimoji="1" lang="en-US" altLang="ko-KR" sz="2000" dirty="0">
+                  <a:solidFill>
+                    <a:schemeClr val="bg1"/>
+                  </a:solidFill>
+                </a:rPr>
+                <a:t>.</a:t>
+              </a:r>
+            </a:p>
+            <a:p>
+              <a:pPr algn="ctr"/>
+              <a:r>
+                <a:rPr kumimoji="1" lang="ko-KR" altLang="en-US" sz="2000" dirty="0">
+                  <a:solidFill>
+                    <a:schemeClr val="bg1"/>
+                  </a:solidFill>
+                </a:rPr>
+                <a:t>문제의 답이 맞으면 </a:t>
+              </a:r>
+              <a:r>
+                <a:rPr kumimoji="1" lang="en-US" altLang="ko-KR" sz="2000" dirty="0">
+                  <a:solidFill>
+                    <a:schemeClr val="bg1"/>
+                  </a:solidFill>
+                </a:rPr>
+                <a:t>1</a:t>
+              </a:r>
+              <a:r>
+                <a:rPr kumimoji="1" lang="ko-KR" altLang="en-US" sz="2000" dirty="0">
+                  <a:solidFill>
+                    <a:schemeClr val="bg1"/>
+                  </a:solidFill>
+                </a:rPr>
+                <a:t>번</a:t>
+              </a:r>
+              <a:r>
+                <a:rPr kumimoji="1" lang="en-US" altLang="ko-KR" sz="2000" dirty="0">
+                  <a:solidFill>
+                    <a:schemeClr val="bg1"/>
+                  </a:solidFill>
+                </a:rPr>
+                <a:t>,</a:t>
+              </a:r>
+              <a:r>
+                <a:rPr kumimoji="1" lang="ko-KR" altLang="en-US" sz="2000" dirty="0">
+                  <a:solidFill>
+                    <a:schemeClr val="bg1"/>
+                  </a:solidFill>
+                </a:rPr>
+                <a:t> 틀리면 </a:t>
+              </a:r>
+              <a:r>
+                <a:rPr kumimoji="1" lang="en-US" altLang="ko-KR" sz="2000" dirty="0">
+                  <a:solidFill>
+                    <a:schemeClr val="bg1"/>
+                  </a:solidFill>
+                </a:rPr>
+                <a:t>2</a:t>
+              </a:r>
+              <a:r>
+                <a:rPr kumimoji="1" lang="ko-KR" altLang="en-US" sz="2000" dirty="0">
+                  <a:solidFill>
+                    <a:schemeClr val="bg1"/>
+                  </a:solidFill>
+                </a:rPr>
+                <a:t>번 버튼을 눌러주세요</a:t>
               </a:r>
               <a:r>
                 <a:rPr kumimoji="1" lang="en-US" altLang="ko-KR" sz="2000" dirty="0">
